--- a/ppts/3 - Setting up your working environment.pptx
+++ b/ppts/3 - Setting up your working environment.pptx
@@ -5,10 +5,10 @@
     <p:sldMasterId id="2147483648" r:id="rId1"/>
   </p:sldMasterIdLst>
   <p:notesMasterIdLst>
-    <p:notesMasterId r:id="rId39"/>
+    <p:notesMasterId r:id="rId40"/>
   </p:notesMasterIdLst>
   <p:handoutMasterIdLst>
-    <p:handoutMasterId r:id="rId40"/>
+    <p:handoutMasterId r:id="rId41"/>
   </p:handoutMasterIdLst>
   <p:sldIdLst>
     <p:sldId id="256" r:id="rId2"/>
@@ -47,12 +47,13 @@
     <p:sldId id="290" r:id="rId35"/>
     <p:sldId id="292" r:id="rId36"/>
     <p:sldId id="291" r:id="rId37"/>
-    <p:sldId id="288" r:id="rId38"/>
+    <p:sldId id="294" r:id="rId38"/>
+    <p:sldId id="288" r:id="rId39"/>
   </p:sldIdLst>
   <p:sldSz cx="12192000" cy="6858000"/>
   <p:notesSz cx="6858000" cy="9144000"/>
   <p:custDataLst>
-    <p:tags r:id="rId41"/>
+    <p:tags r:id="rId42"/>
   </p:custDataLst>
   <p:defaultTextStyle>
     <a:defPPr>
@@ -1890,6 +1891,87 @@
     </pc:docChg>
   </pc:docChgLst>
   <pc:docChgLst>
+    <pc:chgData name="Ellen Torfs" userId="c6aa1e10-4a12-4511-8c7c-135720d4f277" providerId="ADAL" clId="{A34FAF8E-6267-48E0-9941-086A1623C187}"/>
+    <pc:docChg chg="custSel addSld delSld modSld">
+      <pc:chgData name="Ellen Torfs" userId="c6aa1e10-4a12-4511-8c7c-135720d4f277" providerId="ADAL" clId="{A34FAF8E-6267-48E0-9941-086A1623C187}" dt="2022-01-19T09:10:52.439" v="63" actId="20577"/>
+      <pc:docMkLst>
+        <pc:docMk/>
+      </pc:docMkLst>
+      <pc:sldChg chg="modSp mod">
+        <pc:chgData name="Ellen Torfs" userId="c6aa1e10-4a12-4511-8c7c-135720d4f277" providerId="ADAL" clId="{A34FAF8E-6267-48E0-9941-086A1623C187}" dt="2022-01-19T09:10:41.096" v="45" actId="20577"/>
+        <pc:sldMkLst>
+          <pc:docMk/>
+          <pc:sldMk cId="54334544" sldId="256"/>
+        </pc:sldMkLst>
+        <pc:spChg chg="mod">
+          <ac:chgData name="Ellen Torfs" userId="c6aa1e10-4a12-4511-8c7c-135720d4f277" providerId="ADAL" clId="{A34FAF8E-6267-48E0-9941-086A1623C187}" dt="2022-01-19T09:10:41.096" v="45" actId="20577"/>
+          <ac:spMkLst>
+            <pc:docMk/>
+            <pc:sldMk cId="54334544" sldId="256"/>
+            <ac:spMk id="2" creationId="{00000000-0000-0000-0000-000000000000}"/>
+          </ac:spMkLst>
+        </pc:spChg>
+      </pc:sldChg>
+      <pc:sldChg chg="modSp new mod">
+        <pc:chgData name="Ellen Torfs" userId="c6aa1e10-4a12-4511-8c7c-135720d4f277" providerId="ADAL" clId="{A34FAF8E-6267-48E0-9941-086A1623C187}" dt="2022-01-19T09:10:52.439" v="63" actId="20577"/>
+        <pc:sldMkLst>
+          <pc:docMk/>
+          <pc:sldMk cId="3503501734" sldId="257"/>
+        </pc:sldMkLst>
+        <pc:spChg chg="mod">
+          <ac:chgData name="Ellen Torfs" userId="c6aa1e10-4a12-4511-8c7c-135720d4f277" providerId="ADAL" clId="{A34FAF8E-6267-48E0-9941-086A1623C187}" dt="2022-01-19T09:10:52.439" v="63" actId="20577"/>
+          <ac:spMkLst>
+            <pc:docMk/>
+            <pc:sldMk cId="3503501734" sldId="257"/>
+            <ac:spMk id="2" creationId="{2FDFDAAF-B6BB-4A04-9065-D1C13A21AE3F}"/>
+          </ac:spMkLst>
+        </pc:spChg>
+      </pc:sldChg>
+      <pc:sldChg chg="del">
+        <pc:chgData name="Ellen Torfs" userId="c6aa1e10-4a12-4511-8c7c-135720d4f277" providerId="ADAL" clId="{A34FAF8E-6267-48E0-9941-086A1623C187}" dt="2022-01-19T09:10:24.151" v="0" actId="47"/>
+        <pc:sldMkLst>
+          <pc:docMk/>
+          <pc:sldMk cId="620147385" sldId="258"/>
+        </pc:sldMkLst>
+      </pc:sldChg>
+      <pc:sldChg chg="del">
+        <pc:chgData name="Ellen Torfs" userId="c6aa1e10-4a12-4511-8c7c-135720d4f277" providerId="ADAL" clId="{A34FAF8E-6267-48E0-9941-086A1623C187}" dt="2022-01-19T09:10:24.151" v="0" actId="47"/>
+        <pc:sldMkLst>
+          <pc:docMk/>
+          <pc:sldMk cId="2006118848" sldId="262"/>
+        </pc:sldMkLst>
+      </pc:sldChg>
+      <pc:sldChg chg="del">
+        <pc:chgData name="Ellen Torfs" userId="c6aa1e10-4a12-4511-8c7c-135720d4f277" providerId="ADAL" clId="{A34FAF8E-6267-48E0-9941-086A1623C187}" dt="2022-01-19T09:10:24.151" v="0" actId="47"/>
+        <pc:sldMkLst>
+          <pc:docMk/>
+          <pc:sldMk cId="2513866126" sldId="267"/>
+        </pc:sldMkLst>
+      </pc:sldChg>
+      <pc:sldChg chg="del">
+        <pc:chgData name="Ellen Torfs" userId="c6aa1e10-4a12-4511-8c7c-135720d4f277" providerId="ADAL" clId="{A34FAF8E-6267-48E0-9941-086A1623C187}" dt="2022-01-19T09:10:24.151" v="0" actId="47"/>
+        <pc:sldMkLst>
+          <pc:docMk/>
+          <pc:sldMk cId="1006678507" sldId="268"/>
+        </pc:sldMkLst>
+      </pc:sldChg>
+      <pc:sldChg chg="del">
+        <pc:chgData name="Ellen Torfs" userId="c6aa1e10-4a12-4511-8c7c-135720d4f277" providerId="ADAL" clId="{A34FAF8E-6267-48E0-9941-086A1623C187}" dt="2022-01-19T09:10:24.151" v="0" actId="47"/>
+        <pc:sldMkLst>
+          <pc:docMk/>
+          <pc:sldMk cId="2571285731" sldId="269"/>
+        </pc:sldMkLst>
+      </pc:sldChg>
+      <pc:sldChg chg="del">
+        <pc:chgData name="Ellen Torfs" userId="c6aa1e10-4a12-4511-8c7c-135720d4f277" providerId="ADAL" clId="{A34FAF8E-6267-48E0-9941-086A1623C187}" dt="2022-01-19T09:10:24.151" v="0" actId="47"/>
+        <pc:sldMkLst>
+          <pc:docMk/>
+          <pc:sldMk cId="839269463" sldId="271"/>
+        </pc:sldMkLst>
+      </pc:sldChg>
+    </pc:docChg>
+  </pc:docChgLst>
+  <pc:docChgLst>
     <pc:chgData name="Ellen Torfs" userId="c6aa1e10-4a12-4511-8c7c-135720d4f277" providerId="ADAL" clId="{E8C14D58-08E4-4914-959A-DD56EC8F12A8}"/>
     <pc:docChg chg="undo custSel modSld">
       <pc:chgData name="Ellen Torfs" userId="c6aa1e10-4a12-4511-8c7c-135720d4f277" providerId="ADAL" clId="{E8C14D58-08E4-4914-959A-DD56EC8F12A8}" dt="2022-09-26T14:30:40.478" v="10" actId="313"/>
@@ -1910,87 +1992,6 @@
             <ac:spMk id="3" creationId="{14CD89D5-93D9-495F-9388-5158C4405ACE}"/>
           </ac:spMkLst>
         </pc:spChg>
-      </pc:sldChg>
-    </pc:docChg>
-  </pc:docChgLst>
-  <pc:docChgLst>
-    <pc:chgData name="Ellen Torfs" userId="c6aa1e10-4a12-4511-8c7c-135720d4f277" providerId="ADAL" clId="{A34FAF8E-6267-48E0-9941-086A1623C187}"/>
-    <pc:docChg chg="custSel addSld delSld modSld">
-      <pc:chgData name="Ellen Torfs" userId="c6aa1e10-4a12-4511-8c7c-135720d4f277" providerId="ADAL" clId="{A34FAF8E-6267-48E0-9941-086A1623C187}" dt="2022-01-19T09:10:52.439" v="63" actId="20577"/>
-      <pc:docMkLst>
-        <pc:docMk/>
-      </pc:docMkLst>
-      <pc:sldChg chg="modSp mod">
-        <pc:chgData name="Ellen Torfs" userId="c6aa1e10-4a12-4511-8c7c-135720d4f277" providerId="ADAL" clId="{A34FAF8E-6267-48E0-9941-086A1623C187}" dt="2022-01-19T09:10:41.096" v="45" actId="20577"/>
-        <pc:sldMkLst>
-          <pc:docMk/>
-          <pc:sldMk cId="54334544" sldId="256"/>
-        </pc:sldMkLst>
-        <pc:spChg chg="mod">
-          <ac:chgData name="Ellen Torfs" userId="c6aa1e10-4a12-4511-8c7c-135720d4f277" providerId="ADAL" clId="{A34FAF8E-6267-48E0-9941-086A1623C187}" dt="2022-01-19T09:10:41.096" v="45" actId="20577"/>
-          <ac:spMkLst>
-            <pc:docMk/>
-            <pc:sldMk cId="54334544" sldId="256"/>
-            <ac:spMk id="2" creationId="{00000000-0000-0000-0000-000000000000}"/>
-          </ac:spMkLst>
-        </pc:spChg>
-      </pc:sldChg>
-      <pc:sldChg chg="modSp new mod">
-        <pc:chgData name="Ellen Torfs" userId="c6aa1e10-4a12-4511-8c7c-135720d4f277" providerId="ADAL" clId="{A34FAF8E-6267-48E0-9941-086A1623C187}" dt="2022-01-19T09:10:52.439" v="63" actId="20577"/>
-        <pc:sldMkLst>
-          <pc:docMk/>
-          <pc:sldMk cId="3503501734" sldId="257"/>
-        </pc:sldMkLst>
-        <pc:spChg chg="mod">
-          <ac:chgData name="Ellen Torfs" userId="c6aa1e10-4a12-4511-8c7c-135720d4f277" providerId="ADAL" clId="{A34FAF8E-6267-48E0-9941-086A1623C187}" dt="2022-01-19T09:10:52.439" v="63" actId="20577"/>
-          <ac:spMkLst>
-            <pc:docMk/>
-            <pc:sldMk cId="3503501734" sldId="257"/>
-            <ac:spMk id="2" creationId="{2FDFDAAF-B6BB-4A04-9065-D1C13A21AE3F}"/>
-          </ac:spMkLst>
-        </pc:spChg>
-      </pc:sldChg>
-      <pc:sldChg chg="del">
-        <pc:chgData name="Ellen Torfs" userId="c6aa1e10-4a12-4511-8c7c-135720d4f277" providerId="ADAL" clId="{A34FAF8E-6267-48E0-9941-086A1623C187}" dt="2022-01-19T09:10:24.151" v="0" actId="47"/>
-        <pc:sldMkLst>
-          <pc:docMk/>
-          <pc:sldMk cId="620147385" sldId="258"/>
-        </pc:sldMkLst>
-      </pc:sldChg>
-      <pc:sldChg chg="del">
-        <pc:chgData name="Ellen Torfs" userId="c6aa1e10-4a12-4511-8c7c-135720d4f277" providerId="ADAL" clId="{A34FAF8E-6267-48E0-9941-086A1623C187}" dt="2022-01-19T09:10:24.151" v="0" actId="47"/>
-        <pc:sldMkLst>
-          <pc:docMk/>
-          <pc:sldMk cId="2006118848" sldId="262"/>
-        </pc:sldMkLst>
-      </pc:sldChg>
-      <pc:sldChg chg="del">
-        <pc:chgData name="Ellen Torfs" userId="c6aa1e10-4a12-4511-8c7c-135720d4f277" providerId="ADAL" clId="{A34FAF8E-6267-48E0-9941-086A1623C187}" dt="2022-01-19T09:10:24.151" v="0" actId="47"/>
-        <pc:sldMkLst>
-          <pc:docMk/>
-          <pc:sldMk cId="2513866126" sldId="267"/>
-        </pc:sldMkLst>
-      </pc:sldChg>
-      <pc:sldChg chg="del">
-        <pc:chgData name="Ellen Torfs" userId="c6aa1e10-4a12-4511-8c7c-135720d4f277" providerId="ADAL" clId="{A34FAF8E-6267-48E0-9941-086A1623C187}" dt="2022-01-19T09:10:24.151" v="0" actId="47"/>
-        <pc:sldMkLst>
-          <pc:docMk/>
-          <pc:sldMk cId="1006678507" sldId="268"/>
-        </pc:sldMkLst>
-      </pc:sldChg>
-      <pc:sldChg chg="del">
-        <pc:chgData name="Ellen Torfs" userId="c6aa1e10-4a12-4511-8c7c-135720d4f277" providerId="ADAL" clId="{A34FAF8E-6267-48E0-9941-086A1623C187}" dt="2022-01-19T09:10:24.151" v="0" actId="47"/>
-        <pc:sldMkLst>
-          <pc:docMk/>
-          <pc:sldMk cId="2571285731" sldId="269"/>
-        </pc:sldMkLst>
-      </pc:sldChg>
-      <pc:sldChg chg="del">
-        <pc:chgData name="Ellen Torfs" userId="c6aa1e10-4a12-4511-8c7c-135720d4f277" providerId="ADAL" clId="{A34FAF8E-6267-48E0-9941-086A1623C187}" dt="2022-01-19T09:10:24.151" v="0" actId="47"/>
-        <pc:sldMkLst>
-          <pc:docMk/>
-          <pc:sldMk cId="839269463" sldId="271"/>
-        </pc:sldMkLst>
       </pc:sldChg>
     </pc:docChg>
   </pc:docChgLst>
@@ -4907,7 +4908,7 @@
           <a:p>
             <a:fld id="{15E4F5CE-CB34-4A0C-9595-867A2C0DB20E}" type="datetimeFigureOut">
               <a:rPr lang="nl-BE" smtClean="0"/>
-              <a:t>1/03/2024</a:t>
+              <a:t>21/03/2024</a:t>
             </a:fld>
             <a:endParaRPr lang="nl-BE"/>
           </a:p>
@@ -5084,7 +5085,7 @@
           <a:p>
             <a:fld id="{4D53584B-980D-4F7D-BA36-682FCDF648BB}" type="datetimeFigureOut">
               <a:rPr lang="nl-BE" smtClean="0"/>
-              <a:t>1/03/2024</a:t>
+              <a:t>21/03/2024</a:t>
             </a:fld>
             <a:endParaRPr lang="nl-BE"/>
           </a:p>
@@ -6200,7 +6201,7 @@
           <a:p>
             <a:fld id="{F456E141-11F1-487F-A892-18B8A63336C7}" type="datetime1">
               <a:rPr lang="nl-BE" smtClean="0"/>
-              <a:t>1/03/2024</a:t>
+              <a:t>21/03/2024</a:t>
             </a:fld>
             <a:endParaRPr lang="nl-BE"/>
           </a:p>
@@ -6516,7 +6517,7 @@
           <a:p>
             <a:fld id="{85CAFD92-94F2-4CD0-8A1D-AA3295115CEC}" type="datetime1">
               <a:rPr lang="nl-BE" smtClean="0"/>
-              <a:t>1/03/2024</a:t>
+              <a:t>21/03/2024</a:t>
             </a:fld>
             <a:endParaRPr lang="nl-BE"/>
           </a:p>
@@ -6696,7 +6697,7 @@
           <a:p>
             <a:fld id="{02B84EFA-B363-4043-A12E-44B39EC7D05B}" type="datetime1">
               <a:rPr lang="nl-BE" smtClean="0"/>
-              <a:t>1/03/2024</a:t>
+              <a:t>21/03/2024</a:t>
             </a:fld>
             <a:endParaRPr lang="nl-BE"/>
           </a:p>
@@ -6895,7 +6896,7 @@
           <a:p>
             <a:fld id="{B7AA89A6-C9B9-4556-BC9E-5E3CF3322A33}" type="datetime1">
               <a:rPr lang="nl-BE" smtClean="0"/>
-              <a:t>1/03/2024</a:t>
+              <a:t>21/03/2024</a:t>
             </a:fld>
             <a:endParaRPr lang="nl-BE"/>
           </a:p>
@@ -7146,7 +7147,7 @@
           <a:p>
             <a:fld id="{6CEB42D4-4FBB-465F-AE58-8ADBDBF671C8}" type="datetime1">
               <a:rPr lang="nl-BE" smtClean="0"/>
-              <a:t>1/03/2024</a:t>
+              <a:t>21/03/2024</a:t>
             </a:fld>
             <a:endParaRPr lang="nl-BE"/>
           </a:p>
@@ -7378,7 +7379,7 @@
           <a:p>
             <a:fld id="{64B405D5-C0FD-42E0-9EB1-2670F471B7BB}" type="datetime1">
               <a:rPr lang="nl-BE" smtClean="0"/>
-              <a:t>1/03/2024</a:t>
+              <a:t>21/03/2024</a:t>
             </a:fld>
             <a:endParaRPr lang="nl-BE"/>
           </a:p>
@@ -7745,7 +7746,7 @@
           <a:p>
             <a:fld id="{4CB55C39-C031-448F-A58F-CA88F7B6F786}" type="datetime1">
               <a:rPr lang="nl-BE" smtClean="0"/>
-              <a:t>1/03/2024</a:t>
+              <a:t>21/03/2024</a:t>
             </a:fld>
             <a:endParaRPr lang="nl-BE"/>
           </a:p>
@@ -7863,7 +7864,7 @@
           <a:p>
             <a:fld id="{E29307F5-1DF0-4FFF-91A4-1E1A6A26A94A}" type="datetime1">
               <a:rPr lang="nl-BE" smtClean="0"/>
-              <a:t>1/03/2024</a:t>
+              <a:t>21/03/2024</a:t>
             </a:fld>
             <a:endParaRPr lang="nl-BE"/>
           </a:p>
@@ -7958,7 +7959,7 @@
           <a:p>
             <a:fld id="{00A9168B-A159-4E9D-A6C6-C6786C6AB2EB}" type="datetime1">
               <a:rPr lang="nl-BE" smtClean="0"/>
-              <a:t>1/03/2024</a:t>
+              <a:t>21/03/2024</a:t>
             </a:fld>
             <a:endParaRPr lang="nl-BE"/>
           </a:p>
@@ -8235,7 +8236,7 @@
           <a:p>
             <a:fld id="{E9D22159-AF82-4D23-BC06-D4277BDD9BAD}" type="datetime1">
               <a:rPr lang="nl-BE" smtClean="0"/>
-              <a:t>1/03/2024</a:t>
+              <a:t>21/03/2024</a:t>
             </a:fld>
             <a:endParaRPr lang="nl-BE"/>
           </a:p>
@@ -8488,7 +8489,7 @@
           <a:p>
             <a:fld id="{D08A7014-C292-4E4F-926C-1A31F538B52A}" type="datetime1">
               <a:rPr lang="nl-BE" smtClean="0"/>
-              <a:t>1/03/2024</a:t>
+              <a:t>21/03/2024</a:t>
             </a:fld>
             <a:endParaRPr lang="nl-BE"/>
           </a:p>
@@ -8701,7 +8702,7 @@
           <a:p>
             <a:fld id="{E9CC7161-F687-474C-905A-3CCBBA535086}" type="datetime1">
               <a:rPr lang="nl-BE" smtClean="0"/>
-              <a:t>1/03/2024</a:t>
+              <a:t>21/03/2024</a:t>
             </a:fld>
             <a:endParaRPr lang="nl-BE"/>
           </a:p>
@@ -9345,6 +9346,60 @@
           </a:p>
         </p:txBody>
       </p:sp>
+      <p:sp>
+        <p:nvSpPr>
+          <p:cNvPr id="3" name="TextBox 2">
+            <a:extLst>
+              <a:ext uri="{FF2B5EF4-FFF2-40B4-BE49-F238E27FC236}">
+                <a16:creationId xmlns:a16="http://schemas.microsoft.com/office/drawing/2014/main" id="{23E1DAFC-FDB4-A785-52EC-B644849FDCCF}"/>
+              </a:ext>
+            </a:extLst>
+          </p:cNvPr>
+          <p:cNvSpPr txBox="1"/>
+          <p:nvPr/>
+        </p:nvSpPr>
+        <p:spPr>
+          <a:xfrm>
+            <a:off x="1920240" y="2023110"/>
+            <a:ext cx="5772150" cy="707886"/>
+          </a:xfrm>
+          <a:prstGeom prst="rect">
+            <a:avLst/>
+          </a:prstGeom>
+          <a:solidFill>
+            <a:schemeClr val="bg1"/>
+          </a:solidFill>
+        </p:spPr>
+        <p:txBody>
+          <a:bodyPr wrap="square" rtlCol="0">
+            <a:spAutoFit/>
+          </a:bodyPr>
+          <a:lstStyle/>
+          <a:p>
+            <a:r>
+              <a:rPr lang="en-US" sz="4000" dirty="0">
+                <a:solidFill>
+                  <a:schemeClr val="tx1">
+                    <a:lumMod val="65000"/>
+                    <a:lumOff val="35000"/>
+                  </a:schemeClr>
+                </a:solidFill>
+                <a:latin typeface="Amasis MT Pro Medium" panose="02040604050005020304" pitchFamily="18" charset="0"/>
+              </a:rPr>
+              <a:t>Artificial Intelligence</a:t>
+            </a:r>
+            <a:endParaRPr lang="en-BE" sz="4000" dirty="0">
+              <a:solidFill>
+                <a:schemeClr val="tx1">
+                  <a:lumMod val="65000"/>
+                  <a:lumOff val="35000"/>
+                </a:schemeClr>
+              </a:solidFill>
+              <a:latin typeface="Amasis MT Pro Medium" panose="02040604050005020304" pitchFamily="18" charset="0"/>
+            </a:endParaRPr>
+          </a:p>
+        </p:txBody>
+      </p:sp>
     </p:spTree>
     <p:extLst>
       <p:ext uri="{BB962C8B-B14F-4D97-AF65-F5344CB8AC3E}">
@@ -15876,6 +15931,179 @@
           <p:cNvPr id="2" name="Title 1">
             <a:extLst>
               <a:ext uri="{FF2B5EF4-FFF2-40B4-BE49-F238E27FC236}">
+                <a16:creationId xmlns:a16="http://schemas.microsoft.com/office/drawing/2014/main" id="{3E1F11EE-6FE3-FD93-7E2E-4F9A19DC9A06}"/>
+              </a:ext>
+            </a:extLst>
+          </p:cNvPr>
+          <p:cNvSpPr>
+            <a:spLocks noGrp="1"/>
+          </p:cNvSpPr>
+          <p:nvPr>
+            <p:ph type="title"/>
+          </p:nvPr>
+        </p:nvSpPr>
+        <p:spPr/>
+        <p:txBody>
+          <a:bodyPr/>
+          <a:lstStyle/>
+          <a:p>
+            <a:r>
+              <a:rPr lang="en-US" dirty="0" err="1"/>
+              <a:t>Streamlit</a:t>
+            </a:r>
+            <a:endParaRPr lang="en-BE" dirty="0"/>
+          </a:p>
+        </p:txBody>
+      </p:sp>
+      <p:sp>
+        <p:nvSpPr>
+          <p:cNvPr id="3" name="Content Placeholder 2">
+            <a:extLst>
+              <a:ext uri="{FF2B5EF4-FFF2-40B4-BE49-F238E27FC236}">
+                <a16:creationId xmlns:a16="http://schemas.microsoft.com/office/drawing/2014/main" id="{6C8F1101-8D34-F343-8DEE-E23A15AE4D77}"/>
+              </a:ext>
+            </a:extLst>
+          </p:cNvPr>
+          <p:cNvSpPr>
+            <a:spLocks noGrp="1"/>
+          </p:cNvSpPr>
+          <p:nvPr>
+            <p:ph idx="1"/>
+          </p:nvPr>
+        </p:nvSpPr>
+        <p:spPr>
+          <a:xfrm>
+            <a:off x="582705" y="1550894"/>
+            <a:ext cx="5513295" cy="4626069"/>
+          </a:xfrm>
+        </p:spPr>
+        <p:txBody>
+          <a:bodyPr/>
+          <a:lstStyle/>
+          <a:p>
+            <a:r>
+              <a:rPr lang="en-US" dirty="0" err="1"/>
+              <a:t>Jupyter</a:t>
+            </a:r>
+            <a:r>
+              <a:rPr lang="en-US" dirty="0"/>
+              <a:t> is great for a data scientist who knows how to run data, but it doesn’t present very well</a:t>
+            </a:r>
+          </a:p>
+          <a:p>
+            <a:r>
+              <a:rPr lang="en-US" dirty="0"/>
+              <a:t>It’s also not ideal for interaction: to change the input you have to tinker with variables</a:t>
+            </a:r>
+          </a:p>
+          <a:p>
+            <a:r>
+              <a:rPr lang="en-US" dirty="0" err="1"/>
+              <a:t>Streamlit</a:t>
+            </a:r>
+            <a:r>
+              <a:rPr lang="en-US" dirty="0"/>
+              <a:t> fixes this, it creates a webpage based on python code that dynamically generates graphs from the input parameters</a:t>
+            </a:r>
+            <a:endParaRPr lang="en-BE" dirty="0"/>
+          </a:p>
+        </p:txBody>
+      </p:sp>
+      <p:sp>
+        <p:nvSpPr>
+          <p:cNvPr id="4" name="Slide Number Placeholder 3">
+            <a:extLst>
+              <a:ext uri="{FF2B5EF4-FFF2-40B4-BE49-F238E27FC236}">
+                <a16:creationId xmlns:a16="http://schemas.microsoft.com/office/drawing/2014/main" id="{A4AF73F7-5F3C-E677-057F-D9F1ACDA8EED}"/>
+              </a:ext>
+            </a:extLst>
+          </p:cNvPr>
+          <p:cNvSpPr>
+            <a:spLocks noGrp="1"/>
+          </p:cNvSpPr>
+          <p:nvPr>
+            <p:ph type="sldNum" sz="quarter" idx="12"/>
+          </p:nvPr>
+        </p:nvSpPr>
+        <p:spPr/>
+        <p:txBody>
+          <a:bodyPr/>
+          <a:lstStyle/>
+          <a:p>
+            <a:fld id="{FE1B3154-47D9-4402-8EDB-E791933DC0B9}" type="slidenum">
+              <a:rPr lang="nl-BE" smtClean="0"/>
+              <a:pPr/>
+              <a:t>37</a:t>
+            </a:fld>
+            <a:endParaRPr lang="nl-BE" dirty="0"/>
+          </a:p>
+        </p:txBody>
+      </p:sp>
+      <p:pic>
+        <p:nvPicPr>
+          <p:cNvPr id="6" name="Picture 5">
+            <a:extLst>
+              <a:ext uri="{FF2B5EF4-FFF2-40B4-BE49-F238E27FC236}">
+                <a16:creationId xmlns:a16="http://schemas.microsoft.com/office/drawing/2014/main" id="{427429A4-9743-7481-B46D-266DF151AC65}"/>
+              </a:ext>
+            </a:extLst>
+          </p:cNvPr>
+          <p:cNvPicPr>
+            <a:picLocks noChangeAspect="1"/>
+          </p:cNvPicPr>
+          <p:nvPr/>
+        </p:nvPicPr>
+        <p:blipFill>
+          <a:blip r:embed="rId2"/>
+          <a:stretch>
+            <a:fillRect/>
+          </a:stretch>
+        </p:blipFill>
+        <p:spPr>
+          <a:xfrm>
+            <a:off x="6600713" y="1633719"/>
+            <a:ext cx="5059680" cy="4460418"/>
+          </a:xfrm>
+          <a:prstGeom prst="rect">
+            <a:avLst/>
+          </a:prstGeom>
+        </p:spPr>
+      </p:pic>
+    </p:spTree>
+    <p:extLst>
+      <p:ext uri="{BB962C8B-B14F-4D97-AF65-F5344CB8AC3E}">
+        <p14:creationId xmlns:p14="http://schemas.microsoft.com/office/powerpoint/2010/main" val="1476502842"/>
+      </p:ext>
+    </p:extLst>
+  </p:cSld>
+  <p:clrMapOvr>
+    <a:masterClrMapping/>
+  </p:clrMapOvr>
+</p:sld>
+</file>
+
+<file path=ppt/slides/slide38.xml><?xml version="1.0" encoding="utf-8"?>
+<p:sld xmlns:a="http://schemas.openxmlformats.org/drawingml/2006/main" xmlns:r="http://schemas.openxmlformats.org/officeDocument/2006/relationships" xmlns:p="http://schemas.openxmlformats.org/presentationml/2006/main">
+  <p:cSld>
+    <p:spTree>
+      <p:nvGrpSpPr>
+        <p:cNvPr id="1" name=""/>
+        <p:cNvGrpSpPr/>
+        <p:nvPr/>
+      </p:nvGrpSpPr>
+      <p:grpSpPr>
+        <a:xfrm>
+          <a:off x="0" y="0"/>
+          <a:ext cx="0" cy="0"/>
+          <a:chOff x="0" y="0"/>
+          <a:chExt cx="0" cy="0"/>
+        </a:xfrm>
+      </p:grpSpPr>
+      <p:sp>
+        <p:nvSpPr>
+          <p:cNvPr id="2" name="Title 1">
+            <a:extLst>
+              <a:ext uri="{FF2B5EF4-FFF2-40B4-BE49-F238E27FC236}">
                 <a16:creationId xmlns:a16="http://schemas.microsoft.com/office/drawing/2014/main" id="{C67AECE2-37ED-2109-F3A2-E57867BE4050}"/>
               </a:ext>
             </a:extLst>
@@ -15946,6 +16174,21 @@
             </a:r>
           </a:p>
           <a:p>
+            <a:r>
+              <a:rPr lang="en-US" dirty="0"/>
+              <a:t>You’ll also have a first overview of building a </a:t>
+            </a:r>
+            <a:r>
+              <a:rPr lang="en-US" dirty="0" err="1"/>
+              <a:t>streamlit</a:t>
+            </a:r>
+            <a:r>
+              <a:rPr lang="en-US"/>
+              <a:t> application</a:t>
+            </a:r>
+            <a:endParaRPr lang="en-US" dirty="0"/>
+          </a:p>
+          <a:p>
             <a:endParaRPr lang="en-BE" dirty="0"/>
           </a:p>
         </p:txBody>
@@ -15974,7 +16217,7 @@
             <a:fld id="{FE1B3154-47D9-4402-8EDB-E791933DC0B9}" type="slidenum">
               <a:rPr lang="nl-BE" smtClean="0"/>
               <a:pPr/>
-              <a:t>37</a:t>
+              <a:t>38</a:t>
             </a:fld>
             <a:endParaRPr lang="nl-BE"/>
           </a:p>

--- a/ppts/3 - Setting up your working environment.pptx
+++ b/ppts/3 - Setting up your working environment.pptx
@@ -5,10 +5,10 @@
     <p:sldMasterId id="2147483648" r:id="rId1"/>
   </p:sldMasterIdLst>
   <p:notesMasterIdLst>
-    <p:notesMasterId r:id="rId40"/>
+    <p:notesMasterId r:id="rId41"/>
   </p:notesMasterIdLst>
   <p:handoutMasterIdLst>
-    <p:handoutMasterId r:id="rId41"/>
+    <p:handoutMasterId r:id="rId42"/>
   </p:handoutMasterIdLst>
   <p:sldIdLst>
     <p:sldId id="256" r:id="rId2"/>
@@ -47,13 +47,14 @@
     <p:sldId id="290" r:id="rId35"/>
     <p:sldId id="292" r:id="rId36"/>
     <p:sldId id="291" r:id="rId37"/>
-    <p:sldId id="294" r:id="rId38"/>
-    <p:sldId id="288" r:id="rId39"/>
+    <p:sldId id="288" r:id="rId38"/>
+    <p:sldId id="294" r:id="rId39"/>
+    <p:sldId id="295" r:id="rId40"/>
   </p:sldIdLst>
   <p:sldSz cx="12192000" cy="6858000"/>
   <p:notesSz cx="6858000" cy="9144000"/>
   <p:custDataLst>
-    <p:tags r:id="rId42"/>
+    <p:tags r:id="rId43"/>
   </p:custDataLst>
   <p:defaultTextStyle>
     <a:defPPr>
@@ -4908,7 +4909,7 @@
           <a:p>
             <a:fld id="{15E4F5CE-CB34-4A0C-9595-867A2C0DB20E}" type="datetimeFigureOut">
               <a:rPr lang="nl-BE" smtClean="0"/>
-              <a:t>21/03/2024</a:t>
+              <a:t>6/05/2025</a:t>
             </a:fld>
             <a:endParaRPr lang="nl-BE"/>
           </a:p>
@@ -5085,7 +5086,7 @@
           <a:p>
             <a:fld id="{4D53584B-980D-4F7D-BA36-682FCDF648BB}" type="datetimeFigureOut">
               <a:rPr lang="nl-BE" smtClean="0"/>
-              <a:t>21/03/2024</a:t>
+              <a:t>6/05/2025</a:t>
             </a:fld>
             <a:endParaRPr lang="nl-BE"/>
           </a:p>
@@ -6201,7 +6202,7 @@
           <a:p>
             <a:fld id="{F456E141-11F1-487F-A892-18B8A63336C7}" type="datetime1">
               <a:rPr lang="nl-BE" smtClean="0"/>
-              <a:t>21/03/2024</a:t>
+              <a:t>6/05/2025</a:t>
             </a:fld>
             <a:endParaRPr lang="nl-BE"/>
           </a:p>
@@ -6517,7 +6518,7 @@
           <a:p>
             <a:fld id="{85CAFD92-94F2-4CD0-8A1D-AA3295115CEC}" type="datetime1">
               <a:rPr lang="nl-BE" smtClean="0"/>
-              <a:t>21/03/2024</a:t>
+              <a:t>6/05/2025</a:t>
             </a:fld>
             <a:endParaRPr lang="nl-BE"/>
           </a:p>
@@ -6697,7 +6698,7 @@
           <a:p>
             <a:fld id="{02B84EFA-B363-4043-A12E-44B39EC7D05B}" type="datetime1">
               <a:rPr lang="nl-BE" smtClean="0"/>
-              <a:t>21/03/2024</a:t>
+              <a:t>6/05/2025</a:t>
             </a:fld>
             <a:endParaRPr lang="nl-BE"/>
           </a:p>
@@ -6896,7 +6897,7 @@
           <a:p>
             <a:fld id="{B7AA89A6-C9B9-4556-BC9E-5E3CF3322A33}" type="datetime1">
               <a:rPr lang="nl-BE" smtClean="0"/>
-              <a:t>21/03/2024</a:t>
+              <a:t>6/05/2025</a:t>
             </a:fld>
             <a:endParaRPr lang="nl-BE"/>
           </a:p>
@@ -7147,7 +7148,7 @@
           <a:p>
             <a:fld id="{6CEB42D4-4FBB-465F-AE58-8ADBDBF671C8}" type="datetime1">
               <a:rPr lang="nl-BE" smtClean="0"/>
-              <a:t>21/03/2024</a:t>
+              <a:t>6/05/2025</a:t>
             </a:fld>
             <a:endParaRPr lang="nl-BE"/>
           </a:p>
@@ -7379,7 +7380,7 @@
           <a:p>
             <a:fld id="{64B405D5-C0FD-42E0-9EB1-2670F471B7BB}" type="datetime1">
               <a:rPr lang="nl-BE" smtClean="0"/>
-              <a:t>21/03/2024</a:t>
+              <a:t>6/05/2025</a:t>
             </a:fld>
             <a:endParaRPr lang="nl-BE"/>
           </a:p>
@@ -7746,7 +7747,7 @@
           <a:p>
             <a:fld id="{4CB55C39-C031-448F-A58F-CA88F7B6F786}" type="datetime1">
               <a:rPr lang="nl-BE" smtClean="0"/>
-              <a:t>21/03/2024</a:t>
+              <a:t>6/05/2025</a:t>
             </a:fld>
             <a:endParaRPr lang="nl-BE"/>
           </a:p>
@@ -7864,7 +7865,7 @@
           <a:p>
             <a:fld id="{E29307F5-1DF0-4FFF-91A4-1E1A6A26A94A}" type="datetime1">
               <a:rPr lang="nl-BE" smtClean="0"/>
-              <a:t>21/03/2024</a:t>
+              <a:t>6/05/2025</a:t>
             </a:fld>
             <a:endParaRPr lang="nl-BE"/>
           </a:p>
@@ -7959,7 +7960,7 @@
           <a:p>
             <a:fld id="{00A9168B-A159-4E9D-A6C6-C6786C6AB2EB}" type="datetime1">
               <a:rPr lang="nl-BE" smtClean="0"/>
-              <a:t>21/03/2024</a:t>
+              <a:t>6/05/2025</a:t>
             </a:fld>
             <a:endParaRPr lang="nl-BE"/>
           </a:p>
@@ -8236,7 +8237,7 @@
           <a:p>
             <a:fld id="{E9D22159-AF82-4D23-BC06-D4277BDD9BAD}" type="datetime1">
               <a:rPr lang="nl-BE" smtClean="0"/>
-              <a:t>21/03/2024</a:t>
+              <a:t>6/05/2025</a:t>
             </a:fld>
             <a:endParaRPr lang="nl-BE"/>
           </a:p>
@@ -8489,7 +8490,7 @@
           <a:p>
             <a:fld id="{D08A7014-C292-4E4F-926C-1A31F538B52A}" type="datetime1">
               <a:rPr lang="nl-BE" smtClean="0"/>
-              <a:t>21/03/2024</a:t>
+              <a:t>6/05/2025</a:t>
             </a:fld>
             <a:endParaRPr lang="nl-BE"/>
           </a:p>
@@ -8702,7 +8703,7 @@
           <a:p>
             <a:fld id="{E9CC7161-F687-474C-905A-3CCBBA535086}" type="datetime1">
               <a:rPr lang="nl-BE" smtClean="0"/>
-              <a:t>21/03/2024</a:t>
+              <a:t>6/05/2025</a:t>
             </a:fld>
             <a:endParaRPr lang="nl-BE"/>
           </a:p>
@@ -13602,13 +13603,8 @@
             <a:pPr lvl="1"/>
             <a:r>
               <a:rPr lang="en-US" dirty="0"/>
-              <a:t>Note: these are two separate commands, to be run on </a:t>
-            </a:r>
-            <a:r>
-              <a:rPr lang="en-US"/>
-              <a:t>two different lines</a:t>
-            </a:r>
-            <a:endParaRPr lang="en-US" dirty="0"/>
+              <a:t>Note: these are two separate commands, to be run on two different lines</a:t>
+            </a:r>
           </a:p>
           <a:p>
             <a:endParaRPr lang="en-US" dirty="0"/>
@@ -13733,7 +13729,7 @@
         </p:blipFill>
         <p:spPr>
           <a:xfrm>
-            <a:off x="4559307" y="5204304"/>
+            <a:off x="4559307" y="5638644"/>
             <a:ext cx="6948388" cy="293594"/>
           </a:xfrm>
           <a:prstGeom prst="rect">
@@ -14397,49 +14393,20 @@
             <a:pPr lvl="1"/>
             <a:r>
               <a:rPr lang="en-US" dirty="0"/>
-              <a:t>Julia: Python, but you can compile it, so it’s faster. Good when Python becomes </a:t>
-            </a:r>
-            <a:r>
-              <a:rPr lang="en-US"/>
-              <a:t>too</a:t>
-            </a:r>
-            <a:r>
-              <a:rPr lang="en-US" dirty="0"/>
-              <a:t> slow, but not </a:t>
-            </a:r>
-            <a:r>
-              <a:rPr lang="en-US"/>
-              <a:t>ideal</a:t>
-            </a:r>
-            <a:r>
-              <a:rPr lang="en-US" dirty="0"/>
-              <a:t> to start with.</a:t>
+              <a:t>Julia: Python, but you can compile it, so it’s faster. Good when Python becomes too slow, but not ideal to start with.</a:t>
             </a:r>
           </a:p>
           <a:p>
             <a:pPr lvl="1"/>
             <a:r>
               <a:rPr lang="en-US" dirty="0"/>
-              <a:t>R: Used mainly by statisticians, who were the first data scientists. Feels strange at first but is a very powerful language to work with data (importing/cleaning/creating graphs).</a:t>
-            </a:r>
-            <a:r>
-              <a:rPr lang="en-US"/>
-              <a:t>  Preferred language to use in Business Intelligence tools.</a:t>
-            </a:r>
-            <a:endParaRPr lang="en-US" dirty="0"/>
-          </a:p>
-          <a:p>
-            <a:r>
-              <a:rPr lang="en-US" dirty="0"/>
-              <a:t>We chose Python because it’s widely used and because you have a good </a:t>
-            </a:r>
-            <a:r>
-              <a:rPr lang="en-US"/>
-              <a:t>base</a:t>
-            </a:r>
-            <a:r>
-              <a:rPr lang="en-US" dirty="0"/>
-              <a:t> in that language.</a:t>
+              <a:t>R: Used mainly by statisticians, who were the first data scientists. Feels strange at first but is a very powerful language to work with data (importing/cleaning/creating graphs).  Preferred language to use in Business Intelligence tools.</a:t>
+            </a:r>
+          </a:p>
+          <a:p>
+            <a:r>
+              <a:rPr lang="en-US" dirty="0"/>
+              <a:t>We chose Python because it’s widely used.</a:t>
             </a:r>
             <a:endParaRPr lang="en-BE" dirty="0"/>
           </a:p>
@@ -15931,6 +15898,165 @@
           <p:cNvPr id="2" name="Title 1">
             <a:extLst>
               <a:ext uri="{FF2B5EF4-FFF2-40B4-BE49-F238E27FC236}">
+                <a16:creationId xmlns:a16="http://schemas.microsoft.com/office/drawing/2014/main" id="{C67AECE2-37ED-2109-F3A2-E57867BE4050}"/>
+              </a:ext>
+            </a:extLst>
+          </p:cNvPr>
+          <p:cNvSpPr>
+            <a:spLocks noGrp="1"/>
+          </p:cNvSpPr>
+          <p:nvPr>
+            <p:ph type="title"/>
+          </p:nvPr>
+        </p:nvSpPr>
+        <p:spPr/>
+        <p:txBody>
+          <a:bodyPr/>
+          <a:lstStyle/>
+          <a:p>
+            <a:r>
+              <a:rPr lang="en-US" dirty="0"/>
+              <a:t>Summary</a:t>
+            </a:r>
+            <a:endParaRPr lang="en-BE" dirty="0"/>
+          </a:p>
+        </p:txBody>
+      </p:sp>
+      <p:sp>
+        <p:nvSpPr>
+          <p:cNvPr id="3" name="Content Placeholder 2">
+            <a:extLst>
+              <a:ext uri="{FF2B5EF4-FFF2-40B4-BE49-F238E27FC236}">
+                <a16:creationId xmlns:a16="http://schemas.microsoft.com/office/drawing/2014/main" id="{21F65E9F-7955-3AD2-0E2E-AA45C196B032}"/>
+              </a:ext>
+            </a:extLst>
+          </p:cNvPr>
+          <p:cNvSpPr>
+            <a:spLocks noGrp="1"/>
+          </p:cNvSpPr>
+          <p:nvPr>
+            <p:ph idx="1"/>
+          </p:nvPr>
+        </p:nvSpPr>
+        <p:spPr/>
+        <p:txBody>
+          <a:bodyPr/>
+          <a:lstStyle/>
+          <a:p>
+            <a:r>
+              <a:rPr lang="en-US" dirty="0"/>
+              <a:t>Setting up an IDE is always the first step when starting a new programming language</a:t>
+            </a:r>
+          </a:p>
+          <a:p>
+            <a:pPr lvl="1"/>
+            <a:r>
+              <a:rPr lang="en-US" dirty="0"/>
+              <a:t>It takes some time, but is worth doing right</a:t>
+            </a:r>
+          </a:p>
+          <a:p>
+            <a:r>
+              <a:rPr lang="en-US" dirty="0"/>
+              <a:t>You may want to start out using a simple editor when trying a new language, but a good IDE will always help you work better in the long run</a:t>
+            </a:r>
+          </a:p>
+          <a:p>
+            <a:r>
+              <a:rPr lang="en-US" dirty="0"/>
+              <a:t>After going through these slides you’ll have a working setup</a:t>
+            </a:r>
+          </a:p>
+          <a:p>
+            <a:endParaRPr lang="en-US" dirty="0"/>
+          </a:p>
+          <a:p>
+            <a:r>
+              <a:rPr lang="en-US" dirty="0"/>
+              <a:t>Try “3.1 – working with a </a:t>
+            </a:r>
+            <a:r>
+              <a:rPr lang="en-US" dirty="0" err="1"/>
+              <a:t>venv.ipynb</a:t>
+            </a:r>
+            <a:r>
+              <a:rPr lang="en-US" dirty="0"/>
+              <a:t>” now!</a:t>
+            </a:r>
+          </a:p>
+          <a:p>
+            <a:pPr marL="0" indent="0">
+              <a:buNone/>
+            </a:pPr>
+            <a:endParaRPr lang="en-BE" dirty="0"/>
+          </a:p>
+        </p:txBody>
+      </p:sp>
+      <p:sp>
+        <p:nvSpPr>
+          <p:cNvPr id="4" name="Slide Number Placeholder 3">
+            <a:extLst>
+              <a:ext uri="{FF2B5EF4-FFF2-40B4-BE49-F238E27FC236}">
+                <a16:creationId xmlns:a16="http://schemas.microsoft.com/office/drawing/2014/main" id="{2787570F-70E1-2374-DD1A-B2CF2E9CB07D}"/>
+              </a:ext>
+            </a:extLst>
+          </p:cNvPr>
+          <p:cNvSpPr>
+            <a:spLocks noGrp="1"/>
+          </p:cNvSpPr>
+          <p:nvPr>
+            <p:ph type="sldNum" sz="quarter" idx="12"/>
+          </p:nvPr>
+        </p:nvSpPr>
+        <p:spPr/>
+        <p:txBody>
+          <a:bodyPr/>
+          <a:lstStyle/>
+          <a:p>
+            <a:fld id="{FE1B3154-47D9-4402-8EDB-E791933DC0B9}" type="slidenum">
+              <a:rPr lang="nl-BE" smtClean="0"/>
+              <a:pPr/>
+              <a:t>37</a:t>
+            </a:fld>
+            <a:endParaRPr lang="nl-BE"/>
+          </a:p>
+        </p:txBody>
+      </p:sp>
+    </p:spTree>
+    <p:extLst>
+      <p:ext uri="{BB962C8B-B14F-4D97-AF65-F5344CB8AC3E}">
+        <p14:creationId xmlns:p14="http://schemas.microsoft.com/office/powerpoint/2010/main" val="2853392020"/>
+      </p:ext>
+    </p:extLst>
+  </p:cSld>
+  <p:clrMapOvr>
+    <a:masterClrMapping/>
+  </p:clrMapOvr>
+</p:sld>
+</file>
+
+<file path=ppt/slides/slide38.xml><?xml version="1.0" encoding="utf-8"?>
+<p:sld xmlns:a="http://schemas.openxmlformats.org/drawingml/2006/main" xmlns:r="http://schemas.openxmlformats.org/officeDocument/2006/relationships" xmlns:p="http://schemas.openxmlformats.org/presentationml/2006/main">
+  <p:cSld>
+    <p:spTree>
+      <p:nvGrpSpPr>
+        <p:cNvPr id="1" name=""/>
+        <p:cNvGrpSpPr/>
+        <p:nvPr/>
+      </p:nvGrpSpPr>
+      <p:grpSpPr>
+        <a:xfrm>
+          <a:off x="0" y="0"/>
+          <a:ext cx="0" cy="0"/>
+          <a:chOff x="0" y="0"/>
+          <a:chExt cx="0" cy="0"/>
+        </a:xfrm>
+      </p:grpSpPr>
+      <p:sp>
+        <p:nvSpPr>
+          <p:cNvPr id="2" name="Title 1">
+            <a:extLst>
+              <a:ext uri="{FF2B5EF4-FFF2-40B4-BE49-F238E27FC236}">
                 <a16:creationId xmlns:a16="http://schemas.microsoft.com/office/drawing/2014/main" id="{3E1F11EE-6FE3-FD93-7E2E-4F9A19DC9A06}"/>
               </a:ext>
             </a:extLst>
@@ -15947,6 +16073,10 @@
           <a:bodyPr/>
           <a:lstStyle/>
           <a:p>
+            <a:r>
+              <a:rPr lang="en-US" dirty="0"/>
+              <a:t>Addendum: </a:t>
+            </a:r>
             <a:r>
               <a:rPr lang="en-US" dirty="0" err="1"/>
               <a:t>Streamlit</a:t>
@@ -16033,7 +16163,7 @@
             <a:fld id="{FE1B3154-47D9-4402-8EDB-E791933DC0B9}" type="slidenum">
               <a:rPr lang="nl-BE" smtClean="0"/>
               <a:pPr/>
-              <a:t>37</a:t>
+              <a:t>38</a:t>
             </a:fld>
             <a:endParaRPr lang="nl-BE" dirty="0"/>
           </a:p>
@@ -16082,7 +16212,7 @@
 </p:sld>
 </file>
 
-<file path=ppt/slides/slide38.xml><?xml version="1.0" encoding="utf-8"?>
+<file path=ppt/slides/slide39.xml><?xml version="1.0" encoding="utf-8"?>
 <p:sld xmlns:a="http://schemas.openxmlformats.org/drawingml/2006/main" xmlns:r="http://schemas.openxmlformats.org/officeDocument/2006/relationships" xmlns:p="http://schemas.openxmlformats.org/presentationml/2006/main">
   <p:cSld>
     <p:spTree>
@@ -16104,7 +16234,7 @@
           <p:cNvPr id="2" name="Title 1">
             <a:extLst>
               <a:ext uri="{FF2B5EF4-FFF2-40B4-BE49-F238E27FC236}">
-                <a16:creationId xmlns:a16="http://schemas.microsoft.com/office/drawing/2014/main" id="{C67AECE2-37ED-2109-F3A2-E57867BE4050}"/>
+                <a16:creationId xmlns:a16="http://schemas.microsoft.com/office/drawing/2014/main" id="{030E86EB-332D-BFAB-351D-3A4B9114F71A}"/>
               </a:ext>
             </a:extLst>
           </p:cNvPr>
@@ -16121,10 +16251,10 @@
           <a:lstStyle/>
           <a:p>
             <a:r>
-              <a:rPr lang="en-US" dirty="0"/>
-              <a:t>Summary</a:t>
-            </a:r>
-            <a:endParaRPr lang="en-BE" dirty="0"/>
+              <a:rPr lang="en-US" dirty="0" err="1"/>
+              <a:t>Streamlit</a:t>
+            </a:r>
+            <a:endParaRPr lang="en-US" dirty="0"/>
           </a:p>
         </p:txBody>
       </p:sp>
@@ -16133,7 +16263,7 @@
           <p:cNvPr id="3" name="Content Placeholder 2">
             <a:extLst>
               <a:ext uri="{FF2B5EF4-FFF2-40B4-BE49-F238E27FC236}">
-                <a16:creationId xmlns:a16="http://schemas.microsoft.com/office/drawing/2014/main" id="{21F65E9F-7955-3AD2-0E2E-AA45C196B032}"/>
+                <a16:creationId xmlns:a16="http://schemas.microsoft.com/office/drawing/2014/main" id="{0A7506FD-433F-C376-F253-6F972EE7C77B}"/>
               </a:ext>
             </a:extLst>
           </p:cNvPr>
@@ -16146,50 +16276,118 @@
         </p:nvSpPr>
         <p:spPr/>
         <p:txBody>
-          <a:bodyPr/>
-          <a:lstStyle/>
-          <a:p>
-            <a:r>
-              <a:rPr lang="en-US" dirty="0"/>
-              <a:t>Setting up an IDE is always the first step when starting a new programming language</a:t>
+          <a:bodyPr>
+            <a:normAutofit fontScale="92500" lnSpcReduction="10000"/>
+          </a:bodyPr>
+          <a:lstStyle/>
+          <a:p>
+            <a:r>
+              <a:rPr lang="en-US" dirty="0"/>
+              <a:t>Give it a spin:</a:t>
             </a:r>
           </a:p>
           <a:p>
             <a:pPr lvl="1"/>
             <a:r>
-              <a:rPr lang="en-US" dirty="0"/>
-              <a:t>It takes some time, but is worth doing right</a:t>
-            </a:r>
-          </a:p>
-          <a:p>
-            <a:r>
-              <a:rPr lang="en-US" dirty="0"/>
-              <a:t>You may want to start out using a simple editor when trying a new language, but a good IDE will always help you work better in the long run</a:t>
-            </a:r>
-          </a:p>
-          <a:p>
-            <a:r>
-              <a:rPr lang="en-US" dirty="0"/>
-              <a:t>After going through these slides you’ll have a working setup</a:t>
-            </a:r>
-          </a:p>
-          <a:p>
-            <a:r>
-              <a:rPr lang="en-US" dirty="0"/>
-              <a:t>You’ll also have a first overview of building a </a:t>
+              <a:rPr lang="en-US" dirty="0">
+                <a:hlinkClick r:id="rId2"/>
+              </a:rPr>
+              <a:t>https://streamlit.io/playground</a:t>
+            </a:r>
+            <a:endParaRPr lang="en-US" dirty="0"/>
+          </a:p>
+          <a:p>
+            <a:pPr lvl="1"/>
+            <a:r>
+              <a:rPr lang="en-US" dirty="0"/>
+              <a:t>(Trying it out without having even installed Python)</a:t>
+            </a:r>
+          </a:p>
+          <a:p>
+            <a:endParaRPr lang="en-US" dirty="0"/>
+          </a:p>
+          <a:p>
+            <a:r>
+              <a:rPr lang="en-US" dirty="0"/>
+              <a:t>Install using “pip install </a:t>
             </a:r>
             <a:r>
               <a:rPr lang="en-US" dirty="0" err="1"/>
               <a:t>streamlit</a:t>
             </a:r>
             <a:r>
+              <a:rPr lang="en-US" dirty="0"/>
+              <a:t>”</a:t>
+            </a:r>
+          </a:p>
+          <a:p>
+            <a:pPr lvl="1"/>
+            <a:r>
+              <a:rPr lang="en-US" dirty="0"/>
+              <a:t>In a </a:t>
+            </a:r>
+            <a:r>
+              <a:rPr lang="en-US" dirty="0" err="1"/>
+              <a:t>venv</a:t>
+            </a:r>
+            <a:r>
+              <a:rPr lang="en-US" dirty="0"/>
+              <a:t>!</a:t>
+            </a:r>
+          </a:p>
+          <a:p>
+            <a:r>
+              <a:rPr lang="en-US" dirty="0"/>
+              <a:t>Run using “</a:t>
+            </a:r>
+            <a:r>
+              <a:rPr lang="en-US" dirty="0" err="1"/>
+              <a:t>streamlit</a:t>
+            </a:r>
+            <a:r>
+              <a:rPr lang="en-US" dirty="0"/>
+              <a:t> hello”</a:t>
+            </a:r>
+          </a:p>
+          <a:p>
+            <a:r>
+              <a:rPr lang="en-US" dirty="0"/>
+              <a:t>Next, go through the notebook called “3.2 - </a:t>
+            </a:r>
+            <a:r>
+              <a:rPr lang="en-US" dirty="0" err="1"/>
+              <a:t>Streamlit</a:t>
+            </a:r>
+            <a:r>
+              <a:rPr lang="en-US" dirty="0"/>
+              <a:t> 101.ipynb”</a:t>
+            </a:r>
+          </a:p>
+          <a:p>
+            <a:pPr lvl="1"/>
+            <a:r>
+              <a:rPr lang="en-US" dirty="0"/>
+              <a:t>It builds the graphs we’ll be putting in the </a:t>
+            </a:r>
+            <a:r>
+              <a:rPr lang="en-US" dirty="0" err="1"/>
+              <a:t>streamlit</a:t>
+            </a:r>
+            <a:r>
+              <a:rPr lang="en-US" dirty="0"/>
+              <a:t> app</a:t>
+            </a:r>
+          </a:p>
+          <a:p>
+            <a:r>
+              <a:rPr lang="en-US" dirty="0"/>
+              <a:t>And finally build (and understand, as you’ll have to build the next yourself</a:t>
+            </a:r>
+            <a:r>
               <a:rPr lang="en-US"/>
-              <a:t> application</a:t>
+              <a:t>) file 3.3.</a:t>
             </a:r>
             <a:endParaRPr lang="en-US" dirty="0"/>
-          </a:p>
-          <a:p>
-            <a:endParaRPr lang="en-BE" dirty="0"/>
           </a:p>
         </p:txBody>
       </p:sp>
@@ -16198,7 +16396,7 @@
           <p:cNvPr id="4" name="Slide Number Placeholder 3">
             <a:extLst>
               <a:ext uri="{FF2B5EF4-FFF2-40B4-BE49-F238E27FC236}">
-                <a16:creationId xmlns:a16="http://schemas.microsoft.com/office/drawing/2014/main" id="{2787570F-70E1-2374-DD1A-B2CF2E9CB07D}"/>
+                <a16:creationId xmlns:a16="http://schemas.microsoft.com/office/drawing/2014/main" id="{EA4E9D0D-CB7A-0257-8DC5-D28F0C89EFB5}"/>
               </a:ext>
             </a:extLst>
           </p:cNvPr>
@@ -16217,7 +16415,7 @@
             <a:fld id="{FE1B3154-47D9-4402-8EDB-E791933DC0B9}" type="slidenum">
               <a:rPr lang="nl-BE" smtClean="0"/>
               <a:pPr/>
-              <a:t>38</a:t>
+              <a:t>39</a:t>
             </a:fld>
             <a:endParaRPr lang="nl-BE"/>
           </a:p>
@@ -16226,7 +16424,7 @@
     </p:spTree>
     <p:extLst>
       <p:ext uri="{BB962C8B-B14F-4D97-AF65-F5344CB8AC3E}">
-        <p14:creationId xmlns:p14="http://schemas.microsoft.com/office/powerpoint/2010/main" val="2853392020"/>
+        <p14:creationId xmlns:p14="http://schemas.microsoft.com/office/powerpoint/2010/main" val="2399312911"/>
       </p:ext>
     </p:extLst>
   </p:cSld>

--- a/ppts/3 - Setting up your working environment.pptx
+++ b/ppts/3 - Setting up your working environment.pptx
@@ -4909,7 +4909,7 @@
           <a:p>
             <a:fld id="{15E4F5CE-CB34-4A0C-9595-867A2C0DB20E}" type="datetimeFigureOut">
               <a:rPr lang="nl-BE" smtClean="0"/>
-              <a:t>6/05/2025</a:t>
+              <a:t>8/05/2025</a:t>
             </a:fld>
             <a:endParaRPr lang="nl-BE"/>
           </a:p>
@@ -5086,7 +5086,7 @@
           <a:p>
             <a:fld id="{4D53584B-980D-4F7D-BA36-682FCDF648BB}" type="datetimeFigureOut">
               <a:rPr lang="nl-BE" smtClean="0"/>
-              <a:t>6/05/2025</a:t>
+              <a:t>8/05/2025</a:t>
             </a:fld>
             <a:endParaRPr lang="nl-BE"/>
           </a:p>
@@ -5691,21 +5691,7 @@
           <a:bodyPr/>
           <a:lstStyle/>
           <a:p>
-            <a:r>
-              <a:rPr lang="en-US" dirty="0"/>
-              <a:t>About the last example: It’s a list comprehension. You’ll be seeing more of these in the next chapter!</a:t>
-            </a:r>
-          </a:p>
-          <a:p>
-            <a:r>
-              <a:rPr lang="en-US" dirty="0"/>
-              <a:t>To avoid the row with “[None, None” use “dummy = [print(…”, so you’ll save the output and prevent it </a:t>
-            </a:r>
-            <a:r>
-              <a:rPr lang="en-US"/>
-              <a:t>from printing.</a:t>
-            </a:r>
-            <a:endParaRPr lang="en-BE" dirty="0"/>
+            <a:endParaRPr lang="en-US" dirty="0"/>
           </a:p>
         </p:txBody>
       </p:sp>
@@ -5726,7 +5712,7 @@
           <a:p>
             <a:fld id="{2F1A7F70-BA74-4B93-A504-6802F0D0CD34}" type="slidenum">
               <a:rPr lang="nl-BE" smtClean="0"/>
-              <a:t>24</a:t>
+              <a:t>12</a:t>
             </a:fld>
             <a:endParaRPr lang="nl-BE"/>
           </a:p>
@@ -5735,7 +5721,7 @@
     </p:spTree>
     <p:extLst>
       <p:ext uri="{BB962C8B-B14F-4D97-AF65-F5344CB8AC3E}">
-        <p14:creationId xmlns:p14="http://schemas.microsoft.com/office/powerpoint/2010/main" val="230501482"/>
+        <p14:creationId xmlns:p14="http://schemas.microsoft.com/office/powerpoint/2010/main" val="3185961638"/>
       </p:ext>
     </p:extLst>
   </p:cSld>
@@ -5791,23 +5777,17 @@
           <a:p>
             <a:r>
               <a:rPr lang="en-US" dirty="0"/>
-              <a:t>The reason is mainly versions. Suppose we have a notebook now that works with </a:t>
-            </a:r>
-            <a:r>
-              <a:rPr lang="en-US" dirty="0" err="1"/>
-              <a:t>numpy</a:t>
-            </a:r>
-            <a:r>
-              <a:rPr lang="en-US" dirty="0"/>
-              <a:t> version X. We upgrade our local python installation, install </a:t>
-            </a:r>
-            <a:r>
-              <a:rPr lang="en-US" dirty="0" err="1"/>
-              <a:t>numpy</a:t>
-            </a:r>
-            <a:r>
-              <a:rPr lang="en-US" dirty="0"/>
-              <a:t> version Y and all of a sudden our notebook doesn’t work anymore! If version X had been installed in a virtual environment that would not have been a problem.</a:t>
+              <a:t>About the last example: It’s a list comprehension. You’ll be seeing more of these in the next chapter!</a:t>
+            </a:r>
+          </a:p>
+          <a:p>
+            <a:r>
+              <a:rPr lang="en-US" dirty="0"/>
+              <a:t>To avoid the row with “[None, None” use “dummy = [print(…”, so you’ll save the output and prevent it </a:t>
+            </a:r>
+            <a:r>
+              <a:rPr lang="en-US"/>
+              <a:t>from printing.</a:t>
             </a:r>
             <a:endParaRPr lang="en-BE" dirty="0"/>
           </a:p>
@@ -5830,7 +5810,7 @@
           <a:p>
             <a:fld id="{2F1A7F70-BA74-4B93-A504-6802F0D0CD34}" type="slidenum">
               <a:rPr lang="nl-BE" smtClean="0"/>
-              <a:t>26</a:t>
+              <a:t>24</a:t>
             </a:fld>
             <a:endParaRPr lang="nl-BE"/>
           </a:p>
@@ -5839,7 +5819,7 @@
     </p:spTree>
     <p:extLst>
       <p:ext uri="{BB962C8B-B14F-4D97-AF65-F5344CB8AC3E}">
-        <p14:creationId xmlns:p14="http://schemas.microsoft.com/office/powerpoint/2010/main" val="1588727521"/>
+        <p14:creationId xmlns:p14="http://schemas.microsoft.com/office/powerpoint/2010/main" val="230501482"/>
       </p:ext>
     </p:extLst>
   </p:cSld>
@@ -5895,6 +5875,110 @@
           <a:p>
             <a:r>
               <a:rPr lang="en-US" dirty="0"/>
+              <a:t>The reason is mainly versions. Suppose we have a notebook now that works with </a:t>
+            </a:r>
+            <a:r>
+              <a:rPr lang="en-US" dirty="0" err="1"/>
+              <a:t>numpy</a:t>
+            </a:r>
+            <a:r>
+              <a:rPr lang="en-US" dirty="0"/>
+              <a:t> version X. We upgrade our local python installation, install </a:t>
+            </a:r>
+            <a:r>
+              <a:rPr lang="en-US" dirty="0" err="1"/>
+              <a:t>numpy</a:t>
+            </a:r>
+            <a:r>
+              <a:rPr lang="en-US" dirty="0"/>
+              <a:t> version Y and all of a sudden our notebook doesn’t work anymore! If version X had been installed in a virtual environment that would not have been a problem.</a:t>
+            </a:r>
+            <a:endParaRPr lang="en-BE" dirty="0"/>
+          </a:p>
+        </p:txBody>
+      </p:sp>
+      <p:sp>
+        <p:nvSpPr>
+          <p:cNvPr id="4" name="Slide Number Placeholder 3"/>
+          <p:cNvSpPr>
+            <a:spLocks noGrp="1"/>
+          </p:cNvSpPr>
+          <p:nvPr>
+            <p:ph type="sldNum" sz="quarter" idx="5"/>
+          </p:nvPr>
+        </p:nvSpPr>
+        <p:spPr/>
+        <p:txBody>
+          <a:bodyPr/>
+          <a:lstStyle/>
+          <a:p>
+            <a:fld id="{2F1A7F70-BA74-4B93-A504-6802F0D0CD34}" type="slidenum">
+              <a:rPr lang="nl-BE" smtClean="0"/>
+              <a:t>26</a:t>
+            </a:fld>
+            <a:endParaRPr lang="nl-BE"/>
+          </a:p>
+        </p:txBody>
+      </p:sp>
+    </p:spTree>
+    <p:extLst>
+      <p:ext uri="{BB962C8B-B14F-4D97-AF65-F5344CB8AC3E}">
+        <p14:creationId xmlns:p14="http://schemas.microsoft.com/office/powerpoint/2010/main" val="1588727521"/>
+      </p:ext>
+    </p:extLst>
+  </p:cSld>
+  <p:clrMapOvr>
+    <a:masterClrMapping/>
+  </p:clrMapOvr>
+</p:notes>
+</file>
+
+<file path=ppt/notesSlides/notesSlide7.xml><?xml version="1.0" encoding="utf-8"?>
+<p:notes xmlns:a="http://schemas.openxmlformats.org/drawingml/2006/main" xmlns:r="http://schemas.openxmlformats.org/officeDocument/2006/relationships" xmlns:p="http://schemas.openxmlformats.org/presentationml/2006/main">
+  <p:cSld>
+    <p:spTree>
+      <p:nvGrpSpPr>
+        <p:cNvPr id="1" name=""/>
+        <p:cNvGrpSpPr/>
+        <p:nvPr/>
+      </p:nvGrpSpPr>
+      <p:grpSpPr>
+        <a:xfrm>
+          <a:off x="0" y="0"/>
+          <a:ext cx="0" cy="0"/>
+          <a:chOff x="0" y="0"/>
+          <a:chExt cx="0" cy="0"/>
+        </a:xfrm>
+      </p:grpSpPr>
+      <p:sp>
+        <p:nvSpPr>
+          <p:cNvPr id="2" name="Slide Image Placeholder 1"/>
+          <p:cNvSpPr>
+            <a:spLocks noGrp="1" noRot="1" noChangeAspect="1"/>
+          </p:cNvSpPr>
+          <p:nvPr>
+            <p:ph type="sldImg"/>
+          </p:nvPr>
+        </p:nvSpPr>
+        <p:spPr/>
+      </p:sp>
+      <p:sp>
+        <p:nvSpPr>
+          <p:cNvPr id="3" name="Notes Placeholder 2"/>
+          <p:cNvSpPr>
+            <a:spLocks noGrp="1"/>
+          </p:cNvSpPr>
+          <p:nvPr>
+            <p:ph type="body" idx="1"/>
+          </p:nvPr>
+        </p:nvSpPr>
+        <p:spPr/>
+        <p:txBody>
+          <a:bodyPr/>
+          <a:lstStyle/>
+          <a:p>
+            <a:r>
+              <a:rPr lang="en-US" dirty="0"/>
               <a:t>When PowerShell won’t execute the activate-script, run:</a:t>
             </a:r>
           </a:p>
@@ -5969,7 +6053,7 @@
 </p:notes>
 </file>
 
-<file path=ppt/notesSlides/notesSlide7.xml><?xml version="1.0" encoding="utf-8"?>
+<file path=ppt/notesSlides/notesSlide8.xml><?xml version="1.0" encoding="utf-8"?>
 <p:notes xmlns:a="http://schemas.openxmlformats.org/drawingml/2006/main" xmlns:r="http://schemas.openxmlformats.org/officeDocument/2006/relationships" xmlns:p="http://schemas.openxmlformats.org/presentationml/2006/main">
   <p:cSld>
     <p:spTree>
@@ -6202,7 +6286,7 @@
           <a:p>
             <a:fld id="{F456E141-11F1-487F-A892-18B8A63336C7}" type="datetime1">
               <a:rPr lang="nl-BE" smtClean="0"/>
-              <a:t>6/05/2025</a:t>
+              <a:t>8/05/2025</a:t>
             </a:fld>
             <a:endParaRPr lang="nl-BE"/>
           </a:p>
@@ -6518,7 +6602,7 @@
           <a:p>
             <a:fld id="{85CAFD92-94F2-4CD0-8A1D-AA3295115CEC}" type="datetime1">
               <a:rPr lang="nl-BE" smtClean="0"/>
-              <a:t>6/05/2025</a:t>
+              <a:t>8/05/2025</a:t>
             </a:fld>
             <a:endParaRPr lang="nl-BE"/>
           </a:p>
@@ -6698,7 +6782,7 @@
           <a:p>
             <a:fld id="{02B84EFA-B363-4043-A12E-44B39EC7D05B}" type="datetime1">
               <a:rPr lang="nl-BE" smtClean="0"/>
-              <a:t>6/05/2025</a:t>
+              <a:t>8/05/2025</a:t>
             </a:fld>
             <a:endParaRPr lang="nl-BE"/>
           </a:p>
@@ -6897,7 +6981,7 @@
           <a:p>
             <a:fld id="{B7AA89A6-C9B9-4556-BC9E-5E3CF3322A33}" type="datetime1">
               <a:rPr lang="nl-BE" smtClean="0"/>
-              <a:t>6/05/2025</a:t>
+              <a:t>8/05/2025</a:t>
             </a:fld>
             <a:endParaRPr lang="nl-BE"/>
           </a:p>
@@ -7148,7 +7232,7 @@
           <a:p>
             <a:fld id="{6CEB42D4-4FBB-465F-AE58-8ADBDBF671C8}" type="datetime1">
               <a:rPr lang="nl-BE" smtClean="0"/>
-              <a:t>6/05/2025</a:t>
+              <a:t>8/05/2025</a:t>
             </a:fld>
             <a:endParaRPr lang="nl-BE"/>
           </a:p>
@@ -7380,7 +7464,7 @@
           <a:p>
             <a:fld id="{64B405D5-C0FD-42E0-9EB1-2670F471B7BB}" type="datetime1">
               <a:rPr lang="nl-BE" smtClean="0"/>
-              <a:t>6/05/2025</a:t>
+              <a:t>8/05/2025</a:t>
             </a:fld>
             <a:endParaRPr lang="nl-BE"/>
           </a:p>
@@ -7747,7 +7831,7 @@
           <a:p>
             <a:fld id="{4CB55C39-C031-448F-A58F-CA88F7B6F786}" type="datetime1">
               <a:rPr lang="nl-BE" smtClean="0"/>
-              <a:t>6/05/2025</a:t>
+              <a:t>8/05/2025</a:t>
             </a:fld>
             <a:endParaRPr lang="nl-BE"/>
           </a:p>
@@ -7865,7 +7949,7 @@
           <a:p>
             <a:fld id="{E29307F5-1DF0-4FFF-91A4-1E1A6A26A94A}" type="datetime1">
               <a:rPr lang="nl-BE" smtClean="0"/>
-              <a:t>6/05/2025</a:t>
+              <a:t>8/05/2025</a:t>
             </a:fld>
             <a:endParaRPr lang="nl-BE"/>
           </a:p>
@@ -7960,7 +8044,7 @@
           <a:p>
             <a:fld id="{00A9168B-A159-4E9D-A6C6-C6786C6AB2EB}" type="datetime1">
               <a:rPr lang="nl-BE" smtClean="0"/>
-              <a:t>6/05/2025</a:t>
+              <a:t>8/05/2025</a:t>
             </a:fld>
             <a:endParaRPr lang="nl-BE"/>
           </a:p>
@@ -8237,7 +8321,7 @@
           <a:p>
             <a:fld id="{E9D22159-AF82-4D23-BC06-D4277BDD9BAD}" type="datetime1">
               <a:rPr lang="nl-BE" smtClean="0"/>
-              <a:t>6/05/2025</a:t>
+              <a:t>8/05/2025</a:t>
             </a:fld>
             <a:endParaRPr lang="nl-BE"/>
           </a:p>
@@ -8490,7 +8574,7 @@
           <a:p>
             <a:fld id="{D08A7014-C292-4E4F-926C-1A31F538B52A}" type="datetime1">
               <a:rPr lang="nl-BE" smtClean="0"/>
-              <a:t>6/05/2025</a:t>
+              <a:t>8/05/2025</a:t>
             </a:fld>
             <a:endParaRPr lang="nl-BE"/>
           </a:p>
@@ -8703,7 +8787,7 @@
           <a:p>
             <a:fld id="{E9CC7161-F687-474C-905A-3CCBBA535086}" type="datetime1">
               <a:rPr lang="nl-BE" smtClean="0"/>
-              <a:t>6/05/2025</a:t>
+              <a:t>8/05/2025</a:t>
             </a:fld>
             <a:endParaRPr lang="nl-BE"/>
           </a:p>
@@ -9975,7 +10059,7 @@
           <p:nvPr/>
         </p:nvPicPr>
         <p:blipFill>
-          <a:blip r:embed="rId2"/>
+          <a:blip r:embed="rId3"/>
           <a:stretch>
             <a:fillRect/>
           </a:stretch>
@@ -11267,7 +11351,7 @@
             </a:r>
             <a:r>
               <a:rPr lang="en-US" dirty="0" err="1"/>
-              <a:t>jupyter</a:t>
+              <a:t>Jupyter</a:t>
             </a:r>
             <a:r>
               <a:rPr lang="en-US" dirty="0"/>
@@ -11475,7 +11559,7 @@
             </a:r>
             <a:r>
               <a:rPr lang="en-US" dirty="0" err="1"/>
-              <a:t>jupyter</a:t>
+              <a:t>Jupyter</a:t>
             </a:r>
             <a:r>
               <a:rPr lang="en-US" dirty="0"/>
@@ -11871,7 +11955,7 @@
             </a:r>
             <a:r>
               <a:rPr lang="en-US" dirty="0" err="1"/>
-              <a:t>jupyter</a:t>
+              <a:t>Jupyter</a:t>
             </a:r>
             <a:r>
               <a:rPr lang="en-US" dirty="0"/>
@@ -12045,7 +12129,7 @@
             </a:r>
             <a:r>
               <a:rPr lang="en-US" dirty="0" err="1"/>
-              <a:t>jupyter</a:t>
+              <a:t>Jupyter</a:t>
             </a:r>
             <a:r>
               <a:rPr lang="en-US" dirty="0"/>
@@ -12230,7 +12314,7 @@
             </a:r>
             <a:r>
               <a:rPr lang="en-US" dirty="0" err="1"/>
-              <a:t>jupyter</a:t>
+              <a:t>Jupyter</a:t>
             </a:r>
             <a:r>
               <a:rPr lang="en-US" dirty="0"/>
@@ -12572,11 +12656,8 @@
               <a:t>Using </a:t>
             </a:r>
             <a:r>
-              <a:rPr lang="en-US" dirty="0" err="1">
-                <a:latin typeface="Calibri"/>
-                <a:cs typeface="Calibri"/>
-              </a:rPr>
-              <a:t>jupyter</a:t>
+              <a:rPr lang="en-US" dirty="0" err="1"/>
+              <a:t>Jupyter</a:t>
             </a:r>
             <a:r>
               <a:rPr lang="en-US" dirty="0">
@@ -12736,11 +12817,8 @@
               <a:t>Using </a:t>
             </a:r>
             <a:r>
-              <a:rPr lang="en-US" dirty="0" err="1">
-                <a:latin typeface="Calibri"/>
-                <a:cs typeface="Calibri"/>
-              </a:rPr>
-              <a:t>jupyter</a:t>
+              <a:rPr lang="en-US" dirty="0" err="1"/>
+              <a:t>Jupyter</a:t>
             </a:r>
             <a:r>
               <a:rPr lang="en-US" dirty="0">
@@ -14017,11 +14095,8 @@
               <a:t> in </a:t>
             </a:r>
             <a:r>
-              <a:rPr lang="en-US" dirty="0" err="1">
-                <a:latin typeface="Calibri"/>
-                <a:cs typeface="Calibri"/>
-              </a:rPr>
-              <a:t>jupyter</a:t>
+              <a:rPr lang="en-US" dirty="0" err="1"/>
+              <a:t>Jupyter</a:t>
             </a:r>
             <a:r>
               <a:rPr lang="en-US" dirty="0">
@@ -14508,11 +14583,8 @@
               <a:t> in </a:t>
             </a:r>
             <a:r>
-              <a:rPr lang="en-US" dirty="0" err="1">
-                <a:latin typeface="Calibri"/>
-                <a:cs typeface="Calibri"/>
-              </a:rPr>
-              <a:t>jupyter</a:t>
+              <a:rPr lang="en-US" dirty="0" err="1"/>
+              <a:t>Jupyter</a:t>
             </a:r>
             <a:r>
               <a:rPr lang="en-US" dirty="0">
@@ -16381,13 +16453,16 @@
           <a:p>
             <a:r>
               <a:rPr lang="en-US" dirty="0"/>
-              <a:t>And finally build (and understand, as you’ll have to build the next yourself</a:t>
+              <a:t>And finally build (and understand, as you’ll have to build the </a:t>
             </a:r>
             <a:r>
               <a:rPr lang="en-US"/>
+              <a:t>next one yourself</a:t>
+            </a:r>
+            <a:r>
+              <a:rPr lang="en-US" dirty="0"/>
               <a:t>) file 3.3.</a:t>
             </a:r>
-            <a:endParaRPr lang="en-US" dirty="0"/>
           </a:p>
         </p:txBody>
       </p:sp>
